--- a/atlas/Value_CO.pptx
+++ b/atlas/Value_CO.pptx
@@ -3775,13 +3775,13 @@
           <p:nvPr>
             <p:extLst>
               <p:ext uri="{D42A27DB-BD31-4B8C-83A1-F6EECF244321}">
-                <p14:modId xmlns:p14="http://schemas.microsoft.com/office/powerpoint/2010/main" val="1929897676"/>
+                <p14:modId xmlns:p14="http://schemas.microsoft.com/office/powerpoint/2010/main" val="1620979350"/>
               </p:ext>
             </p:extLst>
           </p:nvPr>
         </p:nvGraphicFramePr>
         <p:xfrm>
-          <a:off x="0" y="0"/>
+          <a:off x="-36000" y="0"/>
           <a:ext cx="9720000" cy="3600450"/>
         </p:xfrm>
         <a:graphic>
